--- a/Business research methods with spss/Projects/Likert scale.pptx
+++ b/Business research methods with spss/Projects/Likert scale.pptx
@@ -108,6 +108,11 @@
       </a:defRPr>
     </a:lvl9pPr>
   </p:defaultTextStyle>
+  <p:extLst>
+    <p:ext uri="{EFAFB233-063F-42B5-8137-9DF3F51BA10A}">
+      <p15:sldGuideLst xmlns:p15="http://schemas.microsoft.com/office/powerpoint/2012/main"/>
+    </p:ext>
+  </p:extLst>
 </p:presentation>
 </file>
 
@@ -260,7 +265,7 @@
           <a:p>
             <a:fld id="{F4EAB2DF-86ED-4C2D-B449-793C41EACAE9}" type="datetimeFigureOut">
               <a:rPr lang="en-IN" smtClean="0"/>
-              <a:t>13-03-2023</a:t>
+              <a:t>14-03-2023</a:t>
             </a:fld>
             <a:endParaRPr lang="en-IN"/>
           </a:p>
@@ -460,7 +465,7 @@
           <a:p>
             <a:fld id="{F4EAB2DF-86ED-4C2D-B449-793C41EACAE9}" type="datetimeFigureOut">
               <a:rPr lang="en-IN" smtClean="0"/>
-              <a:t>13-03-2023</a:t>
+              <a:t>14-03-2023</a:t>
             </a:fld>
             <a:endParaRPr lang="en-IN"/>
           </a:p>
@@ -670,7 +675,7 @@
           <a:p>
             <a:fld id="{F4EAB2DF-86ED-4C2D-B449-793C41EACAE9}" type="datetimeFigureOut">
               <a:rPr lang="en-IN" smtClean="0"/>
-              <a:t>13-03-2023</a:t>
+              <a:t>14-03-2023</a:t>
             </a:fld>
             <a:endParaRPr lang="en-IN"/>
           </a:p>
@@ -870,7 +875,7 @@
           <a:p>
             <a:fld id="{F4EAB2DF-86ED-4C2D-B449-793C41EACAE9}" type="datetimeFigureOut">
               <a:rPr lang="en-IN" smtClean="0"/>
-              <a:t>13-03-2023</a:t>
+              <a:t>14-03-2023</a:t>
             </a:fld>
             <a:endParaRPr lang="en-IN"/>
           </a:p>
@@ -1146,7 +1151,7 @@
           <a:p>
             <a:fld id="{F4EAB2DF-86ED-4C2D-B449-793C41EACAE9}" type="datetimeFigureOut">
               <a:rPr lang="en-IN" smtClean="0"/>
-              <a:t>13-03-2023</a:t>
+              <a:t>14-03-2023</a:t>
             </a:fld>
             <a:endParaRPr lang="en-IN"/>
           </a:p>
@@ -1414,7 +1419,7 @@
           <a:p>
             <a:fld id="{F4EAB2DF-86ED-4C2D-B449-793C41EACAE9}" type="datetimeFigureOut">
               <a:rPr lang="en-IN" smtClean="0"/>
-              <a:t>13-03-2023</a:t>
+              <a:t>14-03-2023</a:t>
             </a:fld>
             <a:endParaRPr lang="en-IN"/>
           </a:p>
@@ -1829,7 +1834,7 @@
           <a:p>
             <a:fld id="{F4EAB2DF-86ED-4C2D-B449-793C41EACAE9}" type="datetimeFigureOut">
               <a:rPr lang="en-IN" smtClean="0"/>
-              <a:t>13-03-2023</a:t>
+              <a:t>14-03-2023</a:t>
             </a:fld>
             <a:endParaRPr lang="en-IN"/>
           </a:p>
@@ -1971,7 +1976,7 @@
           <a:p>
             <a:fld id="{F4EAB2DF-86ED-4C2D-B449-793C41EACAE9}" type="datetimeFigureOut">
               <a:rPr lang="en-IN" smtClean="0"/>
-              <a:t>13-03-2023</a:t>
+              <a:t>14-03-2023</a:t>
             </a:fld>
             <a:endParaRPr lang="en-IN"/>
           </a:p>
@@ -2084,7 +2089,7 @@
           <a:p>
             <a:fld id="{F4EAB2DF-86ED-4C2D-B449-793C41EACAE9}" type="datetimeFigureOut">
               <a:rPr lang="en-IN" smtClean="0"/>
-              <a:t>13-03-2023</a:t>
+              <a:t>14-03-2023</a:t>
             </a:fld>
             <a:endParaRPr lang="en-IN"/>
           </a:p>
@@ -2397,7 +2402,7 @@
           <a:p>
             <a:fld id="{F4EAB2DF-86ED-4C2D-B449-793C41EACAE9}" type="datetimeFigureOut">
               <a:rPr lang="en-IN" smtClean="0"/>
-              <a:t>13-03-2023</a:t>
+              <a:t>14-03-2023</a:t>
             </a:fld>
             <a:endParaRPr lang="en-IN"/>
           </a:p>
@@ -2686,7 +2691,7 @@
           <a:p>
             <a:fld id="{F4EAB2DF-86ED-4C2D-B449-793C41EACAE9}" type="datetimeFigureOut">
               <a:rPr lang="en-IN" smtClean="0"/>
-              <a:t>13-03-2023</a:t>
+              <a:t>14-03-2023</a:t>
             </a:fld>
             <a:endParaRPr lang="en-IN"/>
           </a:p>
@@ -2929,7 +2934,7 @@
           <a:p>
             <a:fld id="{F4EAB2DF-86ED-4C2D-B449-793C41EACAE9}" type="datetimeFigureOut">
               <a:rPr lang="en-IN" smtClean="0"/>
-              <a:t>13-03-2023</a:t>
+              <a:t>14-03-2023</a:t>
             </a:fld>
             <a:endParaRPr lang="en-IN"/>
           </a:p>
@@ -4041,7 +4046,7 @@
         </p:nvSpPr>
         <p:spPr>
           <a:xfrm>
-            <a:off x="9843911" y="3429000"/>
+            <a:off x="9742311" y="2871612"/>
             <a:ext cx="2054578" cy="3344333"/>
           </a:xfrm>
           <a:custGeom>
@@ -4396,7 +4401,7 @@
         </p:spPr>
         <p:txBody>
           <a:bodyPr>
-            <a:normAutofit/>
+            <a:normAutofit lnSpcReduction="10000"/>
           </a:bodyPr>
           <a:lstStyle/>
           <a:p>
@@ -4441,7 +4446,7 @@
                   <a:schemeClr val="bg1"/>
                 </a:solidFill>
               </a:rPr>
-              <a:t>Rajshree M ()</a:t>
+              <a:t>Rajshree M (221037)</a:t>
             </a:r>
           </a:p>
           <a:p>
@@ -4464,7 +4469,7 @@
                   <a:schemeClr val="bg1"/>
                 </a:solidFill>
               </a:rPr>
-              <a:t> ()</a:t>
+              <a:t> (221033)</a:t>
             </a:r>
           </a:p>
           <a:p>
@@ -4487,8 +4492,139 @@
                   <a:schemeClr val="bg1"/>
                 </a:solidFill>
               </a:rPr>
-              <a:t> ()</a:t>
-            </a:r>
+              <a:t> (221024)</a:t>
+            </a:r>
+          </a:p>
+          <a:p>
+            <a:pPr algn="r">
+              <a:lnSpc>
+                <a:spcPct val="100000"/>
+              </a:lnSpc>
+            </a:pPr>
+            <a:r>
+              <a:rPr lang="en-IN" sz="1200" dirty="0">
+                <a:solidFill>
+                  <a:schemeClr val="bg1"/>
+                </a:solidFill>
+              </a:rPr>
+              <a:t>Seema (221044)</a:t>
+            </a:r>
+          </a:p>
+          <a:p>
+            <a:pPr algn="r">
+              <a:lnSpc>
+                <a:spcPct val="100000"/>
+              </a:lnSpc>
+            </a:pPr>
+            <a:r>
+              <a:rPr lang="en-IN" sz="1200" dirty="0" err="1">
+                <a:solidFill>
+                  <a:schemeClr val="bg1"/>
+                </a:solidFill>
+              </a:rPr>
+              <a:t>Rajlakshmi</a:t>
+            </a:r>
+            <a:r>
+              <a:rPr lang="en-IN" sz="1200" dirty="0">
+                <a:solidFill>
+                  <a:schemeClr val="bg1"/>
+                </a:solidFill>
+              </a:rPr>
+              <a:t>(221058)</a:t>
+            </a:r>
+          </a:p>
+          <a:p>
+            <a:pPr algn="r">
+              <a:lnSpc>
+                <a:spcPct val="100000"/>
+              </a:lnSpc>
+            </a:pPr>
+            <a:r>
+              <a:rPr lang="en-IN" sz="1200" dirty="0" err="1">
+                <a:solidFill>
+                  <a:schemeClr val="bg1"/>
+                </a:solidFill>
+              </a:rPr>
+              <a:t>Vineela</a:t>
+            </a:r>
+            <a:r>
+              <a:rPr lang="en-IN" sz="1200" dirty="0">
+                <a:solidFill>
+                  <a:schemeClr val="bg1"/>
+                </a:solidFill>
+              </a:rPr>
+              <a:t>(221027)</a:t>
+            </a:r>
+          </a:p>
+          <a:p>
+            <a:pPr algn="r">
+              <a:lnSpc>
+                <a:spcPct val="100000"/>
+              </a:lnSpc>
+            </a:pPr>
+            <a:r>
+              <a:rPr lang="en-IN" sz="1200" dirty="0" err="1">
+                <a:solidFill>
+                  <a:schemeClr val="bg1"/>
+                </a:solidFill>
+              </a:rPr>
+              <a:t>Sowjanya</a:t>
+            </a:r>
+            <a:r>
+              <a:rPr lang="en-IN" sz="1200" dirty="0">
+                <a:solidFill>
+                  <a:schemeClr val="bg1"/>
+                </a:solidFill>
+              </a:rPr>
+              <a:t>(221048)</a:t>
+            </a:r>
+          </a:p>
+          <a:p>
+            <a:pPr algn="r">
+              <a:lnSpc>
+                <a:spcPct val="100000"/>
+              </a:lnSpc>
+            </a:pPr>
+            <a:r>
+              <a:rPr lang="en-IN" sz="1200" dirty="0" err="1">
+                <a:solidFill>
+                  <a:schemeClr val="bg1"/>
+                </a:solidFill>
+              </a:rPr>
+              <a:t>Neelansh</a:t>
+            </a:r>
+            <a:r>
+              <a:rPr lang="en-IN" sz="1200" dirty="0">
+                <a:solidFill>
+                  <a:schemeClr val="bg1"/>
+                </a:solidFill>
+              </a:rPr>
+              <a:t> (221030)</a:t>
+            </a:r>
+          </a:p>
+          <a:p>
+            <a:pPr algn="r">
+              <a:lnSpc>
+                <a:spcPct val="100000"/>
+              </a:lnSpc>
+            </a:pPr>
+            <a:endParaRPr lang="en-IN" sz="1200" dirty="0">
+              <a:solidFill>
+                <a:schemeClr val="bg1"/>
+              </a:solidFill>
+            </a:endParaRPr>
+          </a:p>
+          <a:p>
+            <a:pPr algn="r">
+              <a:lnSpc>
+                <a:spcPct val="100000"/>
+              </a:lnSpc>
+            </a:pPr>
+            <a:endParaRPr lang="en-IN" sz="1200" dirty="0">
+              <a:solidFill>
+                <a:schemeClr val="bg1"/>
+              </a:solidFill>
+            </a:endParaRPr>
           </a:p>
         </p:txBody>
       </p:sp>
